--- a/04/presentation1.pptx
+++ b/04/presentation1.pptx
@@ -122,6 +122,35 @@
     <p1510:client id="{5357ABC9-0F68-076D-E695-ACD7DD0706B5}" v="444" dt="2025-10-30T05:58:59.652"/>
   </p1510:revLst>
 </p1510:revInfo>
+</file>
+
+<file path=ppt/changesInfos/changesInfo1.xml><?xml version="1.0" encoding="utf-8"?>
+<pc:chgInfo xmlns:a="http://schemas.openxmlformats.org/drawingml/2006/main" xmlns:r="http://schemas.openxmlformats.org/officeDocument/2006/relationships" xmlns:ac="http://schemas.microsoft.com/office/drawing/2013/main/command" xmlns:pc="http://schemas.microsoft.com/office/powerpoint/2013/main/command">
+  <pc:docChgLst>
+    <pc:chgData name="Haruhi yamamoto" userId="ae5ecbee6f93ba90" providerId="LiveId" clId="{3BAE1DB1-07E3-4599-851F-CD3F7E8753CC}"/>
+    <pc:docChg chg="modSld">
+      <pc:chgData name="Haruhi yamamoto" userId="ae5ecbee6f93ba90" providerId="LiveId" clId="{3BAE1DB1-07E3-4599-851F-CD3F7E8753CC}" dt="2025-10-30T07:13:29.288" v="20" actId="20577"/>
+      <pc:docMkLst>
+        <pc:docMk/>
+      </pc:docMkLst>
+      <pc:sldChg chg="modSp mod">
+        <pc:chgData name="Haruhi yamamoto" userId="ae5ecbee6f93ba90" providerId="LiveId" clId="{3BAE1DB1-07E3-4599-851F-CD3F7E8753CC}" dt="2025-10-30T07:13:29.288" v="20" actId="20577"/>
+        <pc:sldMkLst>
+          <pc:docMk/>
+          <pc:sldMk cId="2128380218" sldId="256"/>
+        </pc:sldMkLst>
+        <pc:spChg chg="mod">
+          <ac:chgData name="Haruhi yamamoto" userId="ae5ecbee6f93ba90" providerId="LiveId" clId="{3BAE1DB1-07E3-4599-851F-CD3F7E8753CC}" dt="2025-10-30T07:13:29.288" v="20" actId="20577"/>
+          <ac:spMkLst>
+            <pc:docMk/>
+            <pc:sldMk cId="2128380218" sldId="256"/>
+            <ac:spMk id="2" creationId="{00000000-0000-0000-0000-000000000000}"/>
+          </ac:spMkLst>
+        </pc:spChg>
+      </pc:sldChg>
+    </pc:docChg>
+  </pc:docChgLst>
+</pc:chgInfo>
 </file>
 
 <file path=ppt/slideLayouts/slideLayout1.xml><?xml version="1.0" encoding="utf-8"?>
@@ -3729,7 +3758,7 @@
               <a:rPr lang="ja-JP" altLang="en-US" sz="3600">
                 <a:ea typeface="Yu Mincho Demibold"/>
               </a:rPr>
-              <a:t>コピー履歴管理WEBアプリ</a:t>
+              <a:t>フレーズ管理WEBアプリ</a:t>
             </a:r>
             <a:endParaRPr kumimoji="1" lang="ja-JP" altLang="en-US" sz="3600"/>
           </a:p>
